--- a/figures/Chapter 3 - Tree Structures/3.3 Binary Search Trees.pptx
+++ b/figures/Chapter 3 - Tree Structures/3.3 Binary Search Trees.pptx
@@ -160,10 +160,9 @@
           </a:lstStyle>
           <a:p>
             <a:r>
-              <a:rPr lang="en-US" smtClean="0"/>
+              <a:rPr lang="en-US"/>
               <a:t>Click to edit Master title style</a:t>
             </a:r>
-            <a:endParaRPr lang="en-US"/>
           </a:p>
         </p:txBody>
       </p:sp>
@@ -225,10 +224,9 @@
           </a:lstStyle>
           <a:p>
             <a:r>
-              <a:rPr lang="en-US" smtClean="0"/>
+              <a:rPr lang="en-US"/>
               <a:t>Click to edit Master subtitle style</a:t>
             </a:r>
-            <a:endParaRPr lang="en-US"/>
           </a:p>
         </p:txBody>
       </p:sp>
@@ -249,7 +247,7 @@
           <a:p>
             <a:fld id="{FA589A3D-E41F-452A-ADB5-895B11C00BC4}" type="datetimeFigureOut">
               <a:rPr lang="en-US" smtClean="0"/>
-              <a:t>7/31/2016</a:t>
+              <a:t>5/8/18</a:t>
             </a:fld>
             <a:endParaRPr lang="en-US"/>
           </a:p>
@@ -343,10 +341,9 @@
           <a:lstStyle/>
           <a:p>
             <a:r>
-              <a:rPr lang="en-US" smtClean="0"/>
+              <a:rPr lang="en-US"/>
               <a:t>Click to edit Master title style</a:t>
             </a:r>
-            <a:endParaRPr lang="en-US"/>
           </a:p>
         </p:txBody>
       </p:sp>
@@ -367,38 +364,37 @@
           <a:p>
             <a:pPr lvl="0"/>
             <a:r>
-              <a:rPr lang="en-US" smtClean="0"/>
+              <a:rPr lang="en-US"/>
               <a:t>Click to edit Master text styles</a:t>
             </a:r>
           </a:p>
           <a:p>
             <a:pPr lvl="1"/>
             <a:r>
-              <a:rPr lang="en-US" smtClean="0"/>
+              <a:rPr lang="en-US"/>
               <a:t>Second level</a:t>
             </a:r>
           </a:p>
           <a:p>
             <a:pPr lvl="2"/>
             <a:r>
-              <a:rPr lang="en-US" smtClean="0"/>
+              <a:rPr lang="en-US"/>
               <a:t>Third level</a:t>
             </a:r>
           </a:p>
           <a:p>
             <a:pPr lvl="3"/>
             <a:r>
-              <a:rPr lang="en-US" smtClean="0"/>
+              <a:rPr lang="en-US"/>
               <a:t>Fourth level</a:t>
             </a:r>
           </a:p>
           <a:p>
             <a:pPr lvl="4"/>
             <a:r>
-              <a:rPr lang="en-US" smtClean="0"/>
+              <a:rPr lang="en-US"/>
               <a:t>Fifth level</a:t>
             </a:r>
-            <a:endParaRPr lang="en-US"/>
           </a:p>
         </p:txBody>
       </p:sp>
@@ -419,7 +415,7 @@
           <a:p>
             <a:fld id="{FA589A3D-E41F-452A-ADB5-895B11C00BC4}" type="datetimeFigureOut">
               <a:rPr lang="en-US" smtClean="0"/>
-              <a:t>7/31/2016</a:t>
+              <a:t>5/8/18</a:t>
             </a:fld>
             <a:endParaRPr lang="en-US"/>
           </a:p>
@@ -518,10 +514,9 @@
           <a:lstStyle/>
           <a:p>
             <a:r>
-              <a:rPr lang="en-US" smtClean="0"/>
+              <a:rPr lang="en-US"/>
               <a:t>Click to edit Master title style</a:t>
             </a:r>
-            <a:endParaRPr lang="en-US"/>
           </a:p>
         </p:txBody>
       </p:sp>
@@ -547,38 +542,37 @@
           <a:p>
             <a:pPr lvl="0"/>
             <a:r>
-              <a:rPr lang="en-US" smtClean="0"/>
+              <a:rPr lang="en-US"/>
               <a:t>Click to edit Master text styles</a:t>
             </a:r>
           </a:p>
           <a:p>
             <a:pPr lvl="1"/>
             <a:r>
-              <a:rPr lang="en-US" smtClean="0"/>
+              <a:rPr lang="en-US"/>
               <a:t>Second level</a:t>
             </a:r>
           </a:p>
           <a:p>
             <a:pPr lvl="2"/>
             <a:r>
-              <a:rPr lang="en-US" smtClean="0"/>
+              <a:rPr lang="en-US"/>
               <a:t>Third level</a:t>
             </a:r>
           </a:p>
           <a:p>
             <a:pPr lvl="3"/>
             <a:r>
-              <a:rPr lang="en-US" smtClean="0"/>
+              <a:rPr lang="en-US"/>
               <a:t>Fourth level</a:t>
             </a:r>
           </a:p>
           <a:p>
             <a:pPr lvl="4"/>
             <a:r>
-              <a:rPr lang="en-US" smtClean="0"/>
+              <a:rPr lang="en-US"/>
               <a:t>Fifth level</a:t>
             </a:r>
-            <a:endParaRPr lang="en-US"/>
           </a:p>
         </p:txBody>
       </p:sp>
@@ -599,7 +593,7 @@
           <a:p>
             <a:fld id="{FA589A3D-E41F-452A-ADB5-895B11C00BC4}" type="datetimeFigureOut">
               <a:rPr lang="en-US" smtClean="0"/>
-              <a:t>7/31/2016</a:t>
+              <a:t>5/8/18</a:t>
             </a:fld>
             <a:endParaRPr lang="en-US"/>
           </a:p>
@@ -693,10 +687,9 @@
           <a:lstStyle/>
           <a:p>
             <a:r>
-              <a:rPr lang="en-US" smtClean="0"/>
+              <a:rPr lang="en-US"/>
               <a:t>Click to edit Master title style</a:t>
             </a:r>
-            <a:endParaRPr lang="en-US"/>
           </a:p>
         </p:txBody>
       </p:sp>
@@ -717,38 +710,37 @@
           <a:p>
             <a:pPr lvl="0"/>
             <a:r>
-              <a:rPr lang="en-US" smtClean="0"/>
+              <a:rPr lang="en-US"/>
               <a:t>Click to edit Master text styles</a:t>
             </a:r>
           </a:p>
           <a:p>
             <a:pPr lvl="1"/>
             <a:r>
-              <a:rPr lang="en-US" smtClean="0"/>
+              <a:rPr lang="en-US"/>
               <a:t>Second level</a:t>
             </a:r>
           </a:p>
           <a:p>
             <a:pPr lvl="2"/>
             <a:r>
-              <a:rPr lang="en-US" smtClean="0"/>
+              <a:rPr lang="en-US"/>
               <a:t>Third level</a:t>
             </a:r>
           </a:p>
           <a:p>
             <a:pPr lvl="3"/>
             <a:r>
-              <a:rPr lang="en-US" smtClean="0"/>
+              <a:rPr lang="en-US"/>
               <a:t>Fourth level</a:t>
             </a:r>
           </a:p>
           <a:p>
             <a:pPr lvl="4"/>
             <a:r>
-              <a:rPr lang="en-US" smtClean="0"/>
+              <a:rPr lang="en-US"/>
               <a:t>Fifth level</a:t>
             </a:r>
-            <a:endParaRPr lang="en-US"/>
           </a:p>
         </p:txBody>
       </p:sp>
@@ -769,7 +761,7 @@
           <a:p>
             <a:fld id="{FA589A3D-E41F-452A-ADB5-895B11C00BC4}" type="datetimeFigureOut">
               <a:rPr lang="en-US" smtClean="0"/>
-              <a:t>7/31/2016</a:t>
+              <a:t>5/8/18</a:t>
             </a:fld>
             <a:endParaRPr lang="en-US"/>
           </a:p>
@@ -872,10 +864,9 @@
           </a:lstStyle>
           <a:p>
             <a:r>
-              <a:rPr lang="en-US" smtClean="0"/>
+              <a:rPr lang="en-US"/>
               <a:t>Click to edit Master title style</a:t>
             </a:r>
-            <a:endParaRPr lang="en-US"/>
           </a:p>
         </p:txBody>
       </p:sp>
@@ -992,7 +983,7 @@
           <a:p>
             <a:pPr lvl="0"/>
             <a:r>
-              <a:rPr lang="en-US" smtClean="0"/>
+              <a:rPr lang="en-US"/>
               <a:t>Click to edit Master text styles</a:t>
             </a:r>
           </a:p>
@@ -1015,7 +1006,7 @@
           <a:p>
             <a:fld id="{FA589A3D-E41F-452A-ADB5-895B11C00BC4}" type="datetimeFigureOut">
               <a:rPr lang="en-US" smtClean="0"/>
-              <a:t>7/31/2016</a:t>
+              <a:t>5/8/18</a:t>
             </a:fld>
             <a:endParaRPr lang="en-US"/>
           </a:p>
@@ -1109,10 +1100,9 @@
           <a:lstStyle/>
           <a:p>
             <a:r>
-              <a:rPr lang="en-US" smtClean="0"/>
+              <a:rPr lang="en-US"/>
               <a:t>Click to edit Master title style</a:t>
             </a:r>
-            <a:endParaRPr lang="en-US"/>
           </a:p>
         </p:txBody>
       </p:sp>
@@ -1138,38 +1128,37 @@
           <a:p>
             <a:pPr lvl="0"/>
             <a:r>
-              <a:rPr lang="en-US" smtClean="0"/>
+              <a:rPr lang="en-US"/>
               <a:t>Click to edit Master text styles</a:t>
             </a:r>
           </a:p>
           <a:p>
             <a:pPr lvl="1"/>
             <a:r>
-              <a:rPr lang="en-US" smtClean="0"/>
+              <a:rPr lang="en-US"/>
               <a:t>Second level</a:t>
             </a:r>
           </a:p>
           <a:p>
             <a:pPr lvl="2"/>
             <a:r>
-              <a:rPr lang="en-US" smtClean="0"/>
+              <a:rPr lang="en-US"/>
               <a:t>Third level</a:t>
             </a:r>
           </a:p>
           <a:p>
             <a:pPr lvl="3"/>
             <a:r>
-              <a:rPr lang="en-US" smtClean="0"/>
+              <a:rPr lang="en-US"/>
               <a:t>Fourth level</a:t>
             </a:r>
           </a:p>
           <a:p>
             <a:pPr lvl="4"/>
             <a:r>
-              <a:rPr lang="en-US" smtClean="0"/>
+              <a:rPr lang="en-US"/>
               <a:t>Fifth level</a:t>
             </a:r>
-            <a:endParaRPr lang="en-US"/>
           </a:p>
         </p:txBody>
       </p:sp>
@@ -1195,38 +1184,37 @@
           <a:p>
             <a:pPr lvl="0"/>
             <a:r>
-              <a:rPr lang="en-US" smtClean="0"/>
+              <a:rPr lang="en-US"/>
               <a:t>Click to edit Master text styles</a:t>
             </a:r>
           </a:p>
           <a:p>
             <a:pPr lvl="1"/>
             <a:r>
-              <a:rPr lang="en-US" smtClean="0"/>
+              <a:rPr lang="en-US"/>
               <a:t>Second level</a:t>
             </a:r>
           </a:p>
           <a:p>
             <a:pPr lvl="2"/>
             <a:r>
-              <a:rPr lang="en-US" smtClean="0"/>
+              <a:rPr lang="en-US"/>
               <a:t>Third level</a:t>
             </a:r>
           </a:p>
           <a:p>
             <a:pPr lvl="3"/>
             <a:r>
-              <a:rPr lang="en-US" smtClean="0"/>
+              <a:rPr lang="en-US"/>
               <a:t>Fourth level</a:t>
             </a:r>
           </a:p>
           <a:p>
             <a:pPr lvl="4"/>
             <a:r>
-              <a:rPr lang="en-US" smtClean="0"/>
+              <a:rPr lang="en-US"/>
               <a:t>Fifth level</a:t>
             </a:r>
-            <a:endParaRPr lang="en-US"/>
           </a:p>
         </p:txBody>
       </p:sp>
@@ -1247,7 +1235,7 @@
           <a:p>
             <a:fld id="{FA589A3D-E41F-452A-ADB5-895B11C00BC4}" type="datetimeFigureOut">
               <a:rPr lang="en-US" smtClean="0"/>
-              <a:t>7/31/2016</a:t>
+              <a:t>5/8/18</a:t>
             </a:fld>
             <a:endParaRPr lang="en-US"/>
           </a:p>
@@ -1346,10 +1334,9 @@
           <a:lstStyle/>
           <a:p>
             <a:r>
-              <a:rPr lang="en-US" smtClean="0"/>
+              <a:rPr lang="en-US"/>
               <a:t>Click to edit Master title style</a:t>
             </a:r>
-            <a:endParaRPr lang="en-US"/>
           </a:p>
         </p:txBody>
       </p:sp>
@@ -1412,7 +1399,7 @@
           <a:p>
             <a:pPr lvl="0"/>
             <a:r>
-              <a:rPr lang="en-US" smtClean="0"/>
+              <a:rPr lang="en-US"/>
               <a:t>Click to edit Master text styles</a:t>
             </a:r>
           </a:p>
@@ -1440,38 +1427,37 @@
           <a:p>
             <a:pPr lvl="0"/>
             <a:r>
-              <a:rPr lang="en-US" smtClean="0"/>
+              <a:rPr lang="en-US"/>
               <a:t>Click to edit Master text styles</a:t>
             </a:r>
           </a:p>
           <a:p>
             <a:pPr lvl="1"/>
             <a:r>
-              <a:rPr lang="en-US" smtClean="0"/>
+              <a:rPr lang="en-US"/>
               <a:t>Second level</a:t>
             </a:r>
           </a:p>
           <a:p>
             <a:pPr lvl="2"/>
             <a:r>
-              <a:rPr lang="en-US" smtClean="0"/>
+              <a:rPr lang="en-US"/>
               <a:t>Third level</a:t>
             </a:r>
           </a:p>
           <a:p>
             <a:pPr lvl="3"/>
             <a:r>
-              <a:rPr lang="en-US" smtClean="0"/>
+              <a:rPr lang="en-US"/>
               <a:t>Fourth level</a:t>
             </a:r>
           </a:p>
           <a:p>
             <a:pPr lvl="4"/>
             <a:r>
-              <a:rPr lang="en-US" smtClean="0"/>
+              <a:rPr lang="en-US"/>
               <a:t>Fifth level</a:t>
             </a:r>
-            <a:endParaRPr lang="en-US"/>
           </a:p>
         </p:txBody>
       </p:sp>
@@ -1534,7 +1520,7 @@
           <a:p>
             <a:pPr lvl="0"/>
             <a:r>
-              <a:rPr lang="en-US" smtClean="0"/>
+              <a:rPr lang="en-US"/>
               <a:t>Click to edit Master text styles</a:t>
             </a:r>
           </a:p>
@@ -1562,38 +1548,37 @@
           <a:p>
             <a:pPr lvl="0"/>
             <a:r>
-              <a:rPr lang="en-US" smtClean="0"/>
+              <a:rPr lang="en-US"/>
               <a:t>Click to edit Master text styles</a:t>
             </a:r>
           </a:p>
           <a:p>
             <a:pPr lvl="1"/>
             <a:r>
-              <a:rPr lang="en-US" smtClean="0"/>
+              <a:rPr lang="en-US"/>
               <a:t>Second level</a:t>
             </a:r>
           </a:p>
           <a:p>
             <a:pPr lvl="2"/>
             <a:r>
-              <a:rPr lang="en-US" smtClean="0"/>
+              <a:rPr lang="en-US"/>
               <a:t>Third level</a:t>
             </a:r>
           </a:p>
           <a:p>
             <a:pPr lvl="3"/>
             <a:r>
-              <a:rPr lang="en-US" smtClean="0"/>
+              <a:rPr lang="en-US"/>
               <a:t>Fourth level</a:t>
             </a:r>
           </a:p>
           <a:p>
             <a:pPr lvl="4"/>
             <a:r>
-              <a:rPr lang="en-US" smtClean="0"/>
+              <a:rPr lang="en-US"/>
               <a:t>Fifth level</a:t>
             </a:r>
-            <a:endParaRPr lang="en-US"/>
           </a:p>
         </p:txBody>
       </p:sp>
@@ -1614,7 +1599,7 @@
           <a:p>
             <a:fld id="{FA589A3D-E41F-452A-ADB5-895B11C00BC4}" type="datetimeFigureOut">
               <a:rPr lang="en-US" smtClean="0"/>
-              <a:t>7/31/2016</a:t>
+              <a:t>5/8/18</a:t>
             </a:fld>
             <a:endParaRPr lang="en-US"/>
           </a:p>
@@ -1708,10 +1693,9 @@
           <a:lstStyle/>
           <a:p>
             <a:r>
-              <a:rPr lang="en-US" smtClean="0"/>
+              <a:rPr lang="en-US"/>
               <a:t>Click to edit Master title style</a:t>
             </a:r>
-            <a:endParaRPr lang="en-US"/>
           </a:p>
         </p:txBody>
       </p:sp>
@@ -1732,7 +1716,7 @@
           <a:p>
             <a:fld id="{FA589A3D-E41F-452A-ADB5-895B11C00BC4}" type="datetimeFigureOut">
               <a:rPr lang="en-US" smtClean="0"/>
-              <a:t>7/31/2016</a:t>
+              <a:t>5/8/18</a:t>
             </a:fld>
             <a:endParaRPr lang="en-US"/>
           </a:p>
@@ -1827,7 +1811,7 @@
           <a:p>
             <a:fld id="{FA589A3D-E41F-452A-ADB5-895B11C00BC4}" type="datetimeFigureOut">
               <a:rPr lang="en-US" smtClean="0"/>
-              <a:t>7/31/2016</a:t>
+              <a:t>5/8/18</a:t>
             </a:fld>
             <a:endParaRPr lang="en-US"/>
           </a:p>
@@ -1930,10 +1914,9 @@
           </a:lstStyle>
           <a:p>
             <a:r>
-              <a:rPr lang="en-US" smtClean="0"/>
+              <a:rPr lang="en-US"/>
               <a:t>Click to edit Master title style</a:t>
             </a:r>
-            <a:endParaRPr lang="en-US"/>
           </a:p>
         </p:txBody>
       </p:sp>
@@ -1987,38 +1970,37 @@
           <a:p>
             <a:pPr lvl="0"/>
             <a:r>
-              <a:rPr lang="en-US" smtClean="0"/>
+              <a:rPr lang="en-US"/>
               <a:t>Click to edit Master text styles</a:t>
             </a:r>
           </a:p>
           <a:p>
             <a:pPr lvl="1"/>
             <a:r>
-              <a:rPr lang="en-US" smtClean="0"/>
+              <a:rPr lang="en-US"/>
               <a:t>Second level</a:t>
             </a:r>
           </a:p>
           <a:p>
             <a:pPr lvl="2"/>
             <a:r>
-              <a:rPr lang="en-US" smtClean="0"/>
+              <a:rPr lang="en-US"/>
               <a:t>Third level</a:t>
             </a:r>
           </a:p>
           <a:p>
             <a:pPr lvl="3"/>
             <a:r>
-              <a:rPr lang="en-US" smtClean="0"/>
+              <a:rPr lang="en-US"/>
               <a:t>Fourth level</a:t>
             </a:r>
           </a:p>
           <a:p>
             <a:pPr lvl="4"/>
             <a:r>
-              <a:rPr lang="en-US" smtClean="0"/>
+              <a:rPr lang="en-US"/>
               <a:t>Fifth level</a:t>
             </a:r>
-            <a:endParaRPr lang="en-US"/>
           </a:p>
         </p:txBody>
       </p:sp>
@@ -2081,7 +2063,7 @@
           <a:p>
             <a:pPr lvl="0"/>
             <a:r>
-              <a:rPr lang="en-US" smtClean="0"/>
+              <a:rPr lang="en-US"/>
               <a:t>Click to edit Master text styles</a:t>
             </a:r>
           </a:p>
@@ -2104,7 +2086,7 @@
           <a:p>
             <a:fld id="{FA589A3D-E41F-452A-ADB5-895B11C00BC4}" type="datetimeFigureOut">
               <a:rPr lang="en-US" smtClean="0"/>
-              <a:t>7/31/2016</a:t>
+              <a:t>5/8/18</a:t>
             </a:fld>
             <a:endParaRPr lang="en-US"/>
           </a:p>
@@ -2207,10 +2189,9 @@
           </a:lstStyle>
           <a:p>
             <a:r>
-              <a:rPr lang="en-US" smtClean="0"/>
+              <a:rPr lang="en-US"/>
               <a:t>Click to edit Master title style</a:t>
             </a:r>
-            <a:endParaRPr lang="en-US"/>
           </a:p>
         </p:txBody>
       </p:sp>
@@ -2334,7 +2315,7 @@
           <a:p>
             <a:pPr lvl="0"/>
             <a:r>
-              <a:rPr lang="en-US" smtClean="0"/>
+              <a:rPr lang="en-US"/>
               <a:t>Click to edit Master text styles</a:t>
             </a:r>
           </a:p>
@@ -2357,7 +2338,7 @@
           <a:p>
             <a:fld id="{FA589A3D-E41F-452A-ADB5-895B11C00BC4}" type="datetimeFigureOut">
               <a:rPr lang="en-US" smtClean="0"/>
-              <a:t>7/31/2016</a:t>
+              <a:t>5/8/18</a:t>
             </a:fld>
             <a:endParaRPr lang="en-US"/>
           </a:p>
@@ -2466,10 +2447,9 @@
           <a:lstStyle/>
           <a:p>
             <a:r>
-              <a:rPr lang="en-US" smtClean="0"/>
+              <a:rPr lang="en-US"/>
               <a:t>Click to edit Master title style</a:t>
             </a:r>
-            <a:endParaRPr lang="en-US"/>
           </a:p>
         </p:txBody>
       </p:sp>
@@ -2500,38 +2480,37 @@
           <a:p>
             <a:pPr lvl="0"/>
             <a:r>
-              <a:rPr lang="en-US" smtClean="0"/>
+              <a:rPr lang="en-US"/>
               <a:t>Click to edit Master text styles</a:t>
             </a:r>
           </a:p>
           <a:p>
             <a:pPr lvl="1"/>
             <a:r>
-              <a:rPr lang="en-US" smtClean="0"/>
+              <a:rPr lang="en-US"/>
               <a:t>Second level</a:t>
             </a:r>
           </a:p>
           <a:p>
             <a:pPr lvl="2"/>
             <a:r>
-              <a:rPr lang="en-US" smtClean="0"/>
+              <a:rPr lang="en-US"/>
               <a:t>Third level</a:t>
             </a:r>
           </a:p>
           <a:p>
             <a:pPr lvl="3"/>
             <a:r>
-              <a:rPr lang="en-US" smtClean="0"/>
+              <a:rPr lang="en-US"/>
               <a:t>Fourth level</a:t>
             </a:r>
           </a:p>
           <a:p>
             <a:pPr lvl="4"/>
             <a:r>
-              <a:rPr lang="en-US" smtClean="0"/>
+              <a:rPr lang="en-US"/>
               <a:t>Fifth level</a:t>
             </a:r>
-            <a:endParaRPr lang="en-US"/>
           </a:p>
         </p:txBody>
       </p:sp>
@@ -2570,7 +2549,7 @@
           <a:p>
             <a:fld id="{FA589A3D-E41F-452A-ADB5-895B11C00BC4}" type="datetimeFigureOut">
               <a:rPr lang="en-US" smtClean="0"/>
-              <a:t>7/31/2016</a:t>
+              <a:t>5/8/18</a:t>
             </a:fld>
             <a:endParaRPr lang="en-US"/>
           </a:p>
@@ -3018,18 +2997,13 @@
           <a:p>
             <a:pPr algn="ctr"/>
             <a:r>
-              <a:rPr lang="en-US" sz="2400" dirty="0" smtClean="0">
+              <a:rPr lang="en-US" sz="2400" dirty="0">
                 <a:solidFill>
                   <a:schemeClr val="tx1"/>
                 </a:solidFill>
               </a:rPr>
               <a:t>8</a:t>
             </a:r>
-            <a:endParaRPr lang="en-US" sz="2400" dirty="0">
-              <a:solidFill>
-                <a:schemeClr val="tx1"/>
-              </a:solidFill>
-            </a:endParaRPr>
           </a:p>
         </p:txBody>
       </p:sp>
@@ -3076,18 +3050,13 @@
           <a:p>
             <a:pPr algn="ctr"/>
             <a:r>
-              <a:rPr lang="en-US" sz="2400" dirty="0" smtClean="0">
+              <a:rPr lang="en-US" sz="2400" dirty="0">
                 <a:solidFill>
                   <a:schemeClr val="tx1"/>
                 </a:solidFill>
               </a:rPr>
               <a:t>3</a:t>
             </a:r>
-            <a:endParaRPr lang="en-US" sz="2400" dirty="0">
-              <a:solidFill>
-                <a:schemeClr val="tx1"/>
-              </a:solidFill>
-            </a:endParaRPr>
           </a:p>
         </p:txBody>
       </p:sp>
@@ -3173,18 +3142,13 @@
           <a:p>
             <a:pPr algn="ctr"/>
             <a:r>
-              <a:rPr lang="en-US" sz="2400" dirty="0" smtClean="0">
+              <a:rPr lang="en-US" sz="2400" dirty="0">
                 <a:solidFill>
                   <a:schemeClr val="tx1"/>
                 </a:solidFill>
               </a:rPr>
               <a:t>10</a:t>
             </a:r>
-            <a:endParaRPr lang="en-US" sz="2400" dirty="0">
-              <a:solidFill>
-                <a:schemeClr val="tx1"/>
-              </a:solidFill>
-            </a:endParaRPr>
           </a:p>
         </p:txBody>
       </p:sp>
@@ -3270,18 +3234,13 @@
           <a:p>
             <a:pPr algn="ctr"/>
             <a:r>
-              <a:rPr lang="en-US" sz="2400" dirty="0" smtClean="0">
+              <a:rPr lang="en-US" sz="2400" dirty="0">
                 <a:solidFill>
                   <a:schemeClr val="tx1"/>
                 </a:solidFill>
               </a:rPr>
               <a:t>1</a:t>
             </a:r>
-            <a:endParaRPr lang="en-US" sz="2400" dirty="0">
-              <a:solidFill>
-                <a:schemeClr val="tx1"/>
-              </a:solidFill>
-            </a:endParaRPr>
           </a:p>
         </p:txBody>
       </p:sp>
@@ -3367,18 +3326,13 @@
           <a:p>
             <a:pPr algn="ctr"/>
             <a:r>
-              <a:rPr lang="en-US" sz="2400" dirty="0" smtClean="0">
+              <a:rPr lang="en-US" sz="2400" dirty="0">
                 <a:solidFill>
                   <a:schemeClr val="tx1"/>
                 </a:solidFill>
               </a:rPr>
               <a:t>6</a:t>
             </a:r>
-            <a:endParaRPr lang="en-US" sz="2400" dirty="0">
-              <a:solidFill>
-                <a:schemeClr val="tx1"/>
-              </a:solidFill>
-            </a:endParaRPr>
           </a:p>
         </p:txBody>
       </p:sp>
@@ -3464,18 +3418,13 @@
           <a:p>
             <a:pPr algn="ctr"/>
             <a:r>
-              <a:rPr lang="en-US" sz="2400" dirty="0" smtClean="0">
+              <a:rPr lang="en-US" sz="2400" dirty="0">
                 <a:solidFill>
                   <a:schemeClr val="tx1"/>
                 </a:solidFill>
               </a:rPr>
               <a:t>14</a:t>
             </a:r>
-            <a:endParaRPr lang="en-US" sz="2400" dirty="0">
-              <a:solidFill>
-                <a:schemeClr val="tx1"/>
-              </a:solidFill>
-            </a:endParaRPr>
           </a:p>
         </p:txBody>
       </p:sp>
@@ -3561,18 +3510,13 @@
           <a:p>
             <a:pPr algn="ctr"/>
             <a:r>
-              <a:rPr lang="en-US" sz="2400" dirty="0" smtClean="0">
+              <a:rPr lang="en-US" sz="2400" dirty="0">
                 <a:solidFill>
                   <a:schemeClr val="tx1"/>
                 </a:solidFill>
               </a:rPr>
               <a:t>13</a:t>
             </a:r>
-            <a:endParaRPr lang="en-US" sz="2400" dirty="0">
-              <a:solidFill>
-                <a:schemeClr val="tx1"/>
-              </a:solidFill>
-            </a:endParaRPr>
           </a:p>
         </p:txBody>
       </p:sp>
@@ -3658,18 +3602,13 @@
           <a:p>
             <a:pPr algn="ctr"/>
             <a:r>
-              <a:rPr lang="en-US" sz="2400" dirty="0" smtClean="0">
+              <a:rPr lang="en-US" sz="2400" dirty="0">
                 <a:solidFill>
                   <a:schemeClr val="tx1"/>
                 </a:solidFill>
               </a:rPr>
               <a:t>4</a:t>
             </a:r>
-            <a:endParaRPr lang="en-US" sz="2400" dirty="0">
-              <a:solidFill>
-                <a:schemeClr val="tx1"/>
-              </a:solidFill>
-            </a:endParaRPr>
           </a:p>
         </p:txBody>
       </p:sp>
@@ -3755,18 +3694,13 @@
           <a:p>
             <a:pPr algn="ctr"/>
             <a:r>
-              <a:rPr lang="en-US" sz="2400" dirty="0" smtClean="0">
+              <a:rPr lang="en-US" sz="2400" dirty="0">
                 <a:solidFill>
                   <a:schemeClr val="tx1"/>
                 </a:solidFill>
               </a:rPr>
               <a:t>7</a:t>
             </a:r>
-            <a:endParaRPr lang="en-US" sz="2400" dirty="0">
-              <a:solidFill>
-                <a:schemeClr val="tx1"/>
-              </a:solidFill>
-            </a:endParaRPr>
           </a:p>
         </p:txBody>
       </p:sp>
@@ -3882,18 +3816,13 @@
           <a:p>
             <a:pPr algn="ctr"/>
             <a:r>
-              <a:rPr lang="en-US" sz="2400" dirty="0" smtClean="0">
+              <a:rPr lang="en-US" sz="2400" dirty="0">
                 <a:solidFill>
                   <a:schemeClr val="tx1"/>
                 </a:solidFill>
               </a:rPr>
               <a:t>42</a:t>
             </a:r>
-            <a:endParaRPr lang="en-US" sz="2400" dirty="0">
-              <a:solidFill>
-                <a:schemeClr val="tx1"/>
-              </a:solidFill>
-            </a:endParaRPr>
           </a:p>
         </p:txBody>
       </p:sp>
@@ -3906,7 +3835,7 @@
         <p:spPr>
           <a:xfrm>
             <a:off x="2234667" y="262720"/>
-            <a:ext cx="579549" cy="584775"/>
+            <a:ext cx="725971" cy="584775"/>
           </a:xfrm>
           <a:prstGeom prst="rect">
             <a:avLst/>
@@ -3920,18 +3849,13 @@
           <a:lstStyle/>
           <a:p>
             <a:r>
-              <a:rPr lang="en-US" sz="3200" b="1" dirty="0" smtClean="0">
+              <a:rPr lang="en-US" sz="3200" b="1" dirty="0">
                 <a:solidFill>
                   <a:srgbClr val="00B050"/>
                 </a:solidFill>
               </a:rPr>
               <a:t>A.</a:t>
             </a:r>
-            <a:endParaRPr lang="en-US" sz="3200" b="1" dirty="0">
-              <a:solidFill>
-                <a:srgbClr val="00B050"/>
-              </a:solidFill>
-            </a:endParaRPr>
           </a:p>
         </p:txBody>
       </p:sp>
@@ -3978,18 +3902,13 @@
           <a:p>
             <a:pPr algn="ctr"/>
             <a:r>
-              <a:rPr lang="en-US" sz="2400" dirty="0" smtClean="0">
+              <a:rPr lang="en-US" sz="2400" dirty="0">
                 <a:solidFill>
                   <a:schemeClr val="tx1"/>
                 </a:solidFill>
               </a:rPr>
               <a:t>32</a:t>
             </a:r>
-            <a:endParaRPr lang="en-US" sz="2400" dirty="0">
-              <a:solidFill>
-                <a:schemeClr val="tx1"/>
-              </a:solidFill>
-            </a:endParaRPr>
           </a:p>
         </p:txBody>
       </p:sp>
@@ -4075,18 +3994,13 @@
           <a:p>
             <a:pPr algn="ctr"/>
             <a:r>
-              <a:rPr lang="en-US" sz="2400" dirty="0" smtClean="0">
+              <a:rPr lang="en-US" sz="2400" dirty="0">
                 <a:solidFill>
                   <a:schemeClr val="tx1"/>
                 </a:solidFill>
               </a:rPr>
               <a:t>12</a:t>
             </a:r>
-            <a:endParaRPr lang="en-US" sz="2400" dirty="0">
-              <a:solidFill>
-                <a:schemeClr val="tx1"/>
-              </a:solidFill>
-            </a:endParaRPr>
           </a:p>
         </p:txBody>
       </p:sp>
@@ -4172,18 +4086,13 @@
           <a:p>
             <a:pPr algn="ctr"/>
             <a:r>
-              <a:rPr lang="en-US" sz="2400" dirty="0" smtClean="0">
+              <a:rPr lang="en-US" sz="2400" dirty="0">
                 <a:solidFill>
                   <a:schemeClr val="tx1"/>
                 </a:solidFill>
               </a:rPr>
               <a:t>42</a:t>
             </a:r>
-            <a:endParaRPr lang="en-US" sz="2400" dirty="0">
-              <a:solidFill>
-                <a:schemeClr val="tx1"/>
-              </a:solidFill>
-            </a:endParaRPr>
           </a:p>
         </p:txBody>
       </p:sp>
@@ -4196,7 +4105,7 @@
         <p:spPr>
           <a:xfrm>
             <a:off x="6611338" y="262720"/>
-            <a:ext cx="579549" cy="584775"/>
+            <a:ext cx="928244" cy="584775"/>
           </a:xfrm>
           <a:prstGeom prst="rect">
             <a:avLst/>
@@ -4210,18 +4119,13 @@
           <a:lstStyle/>
           <a:p>
             <a:r>
-              <a:rPr lang="en-US" sz="3200" b="1" dirty="0" smtClean="0">
+              <a:rPr lang="en-US" sz="3200" b="1" dirty="0">
                 <a:solidFill>
                   <a:srgbClr val="00B050"/>
                 </a:solidFill>
               </a:rPr>
               <a:t>B.</a:t>
             </a:r>
-            <a:endParaRPr lang="en-US" sz="3200" b="1" dirty="0">
-              <a:solidFill>
-                <a:srgbClr val="00B050"/>
-              </a:solidFill>
-            </a:endParaRPr>
           </a:p>
         </p:txBody>
       </p:sp>
@@ -4268,18 +4172,13 @@
           <a:p>
             <a:pPr algn="ctr"/>
             <a:r>
-              <a:rPr lang="en-US" sz="2400" dirty="0" smtClean="0">
+              <a:rPr lang="en-US" sz="2400" dirty="0">
                 <a:solidFill>
                   <a:schemeClr val="tx1"/>
                 </a:solidFill>
               </a:rPr>
               <a:t>32</a:t>
             </a:r>
-            <a:endParaRPr lang="en-US" sz="2400" dirty="0">
-              <a:solidFill>
-                <a:schemeClr val="tx1"/>
-              </a:solidFill>
-            </a:endParaRPr>
           </a:p>
         </p:txBody>
       </p:sp>
@@ -4365,18 +4264,13 @@
           <a:p>
             <a:pPr algn="ctr"/>
             <a:r>
-              <a:rPr lang="en-US" sz="2400" dirty="0" smtClean="0">
+              <a:rPr lang="en-US" sz="2400" dirty="0">
                 <a:solidFill>
                   <a:schemeClr val="tx1"/>
                 </a:solidFill>
               </a:rPr>
               <a:t>12</a:t>
             </a:r>
-            <a:endParaRPr lang="en-US" sz="2400" dirty="0">
-              <a:solidFill>
-                <a:schemeClr val="tx1"/>
-              </a:solidFill>
-            </a:endParaRPr>
           </a:p>
         </p:txBody>
       </p:sp>
@@ -4462,18 +4356,13 @@
           <a:p>
             <a:pPr algn="ctr"/>
             <a:r>
-              <a:rPr lang="en-US" sz="2400" dirty="0" smtClean="0">
+              <a:rPr lang="en-US" sz="2400" dirty="0">
                 <a:solidFill>
                   <a:schemeClr val="tx1"/>
                 </a:solidFill>
               </a:rPr>
               <a:t>42</a:t>
             </a:r>
-            <a:endParaRPr lang="en-US" sz="2400" dirty="0">
-              <a:solidFill>
-                <a:schemeClr val="tx1"/>
-              </a:solidFill>
-            </a:endParaRPr>
           </a:p>
         </p:txBody>
       </p:sp>
@@ -4486,7 +4375,7 @@
         <p:spPr>
           <a:xfrm>
             <a:off x="2201473" y="3387999"/>
-            <a:ext cx="579549" cy="584775"/>
+            <a:ext cx="759165" cy="584775"/>
           </a:xfrm>
           <a:prstGeom prst="rect">
             <a:avLst/>
@@ -4500,18 +4389,13 @@
           <a:lstStyle/>
           <a:p>
             <a:r>
-              <a:rPr lang="en-US" sz="3200" b="1" dirty="0" smtClean="0">
+              <a:rPr lang="en-US" sz="3200" b="1" dirty="0">
                 <a:solidFill>
                   <a:srgbClr val="00B050"/>
                 </a:solidFill>
               </a:rPr>
               <a:t>C.</a:t>
             </a:r>
-            <a:endParaRPr lang="en-US" sz="3200" b="1" dirty="0">
-              <a:solidFill>
-                <a:srgbClr val="00B050"/>
-              </a:solidFill>
-            </a:endParaRPr>
           </a:p>
         </p:txBody>
       </p:sp>
@@ -4558,18 +4442,13 @@
           <a:p>
             <a:pPr algn="ctr"/>
             <a:r>
-              <a:rPr lang="en-US" sz="2400" dirty="0" smtClean="0">
+              <a:rPr lang="en-US" sz="2400" dirty="0">
                 <a:solidFill>
                   <a:schemeClr val="tx1"/>
                 </a:solidFill>
               </a:rPr>
               <a:t>32</a:t>
             </a:r>
-            <a:endParaRPr lang="en-US" sz="2400" dirty="0">
-              <a:solidFill>
-                <a:schemeClr val="tx1"/>
-              </a:solidFill>
-            </a:endParaRPr>
           </a:p>
         </p:txBody>
       </p:sp>
@@ -4655,18 +4534,13 @@
           <a:p>
             <a:pPr algn="ctr"/>
             <a:r>
-              <a:rPr lang="en-US" sz="2400" dirty="0" smtClean="0">
+              <a:rPr lang="en-US" sz="2400" dirty="0">
                 <a:solidFill>
                   <a:schemeClr val="tx1"/>
                 </a:solidFill>
               </a:rPr>
               <a:t>12</a:t>
             </a:r>
-            <a:endParaRPr lang="en-US" sz="2400" dirty="0">
-              <a:solidFill>
-                <a:schemeClr val="tx1"/>
-              </a:solidFill>
-            </a:endParaRPr>
           </a:p>
         </p:txBody>
       </p:sp>
@@ -4752,18 +4626,13 @@
           <a:p>
             <a:pPr algn="ctr"/>
             <a:r>
-              <a:rPr lang="en-US" sz="2400" dirty="0" smtClean="0">
+              <a:rPr lang="en-US" sz="2400" dirty="0">
                 <a:solidFill>
                   <a:schemeClr val="tx1"/>
                 </a:solidFill>
               </a:rPr>
               <a:t>65</a:t>
             </a:r>
-            <a:endParaRPr lang="en-US" sz="2400" dirty="0">
-              <a:solidFill>
-                <a:schemeClr val="tx1"/>
-              </a:solidFill>
-            </a:endParaRPr>
           </a:p>
         </p:txBody>
       </p:sp>
@@ -4849,18 +4718,13 @@
           <a:p>
             <a:pPr algn="ctr"/>
             <a:r>
-              <a:rPr lang="en-US" sz="2400" dirty="0" smtClean="0">
+              <a:rPr lang="en-US" sz="2400" dirty="0">
                 <a:solidFill>
                   <a:schemeClr val="tx1"/>
                 </a:solidFill>
               </a:rPr>
               <a:t>30</a:t>
             </a:r>
-            <a:endParaRPr lang="en-US" sz="2400" dirty="0">
-              <a:solidFill>
-                <a:schemeClr val="tx1"/>
-              </a:solidFill>
-            </a:endParaRPr>
           </a:p>
         </p:txBody>
       </p:sp>
@@ -4946,18 +4810,13 @@
           <a:p>
             <a:pPr algn="ctr"/>
             <a:r>
-              <a:rPr lang="en-US" sz="2400" dirty="0" smtClean="0">
+              <a:rPr lang="en-US" sz="2400" dirty="0">
                 <a:solidFill>
                   <a:schemeClr val="tx1"/>
                 </a:solidFill>
               </a:rPr>
               <a:t>38</a:t>
             </a:r>
-            <a:endParaRPr lang="en-US" sz="2400" dirty="0">
-              <a:solidFill>
-                <a:schemeClr val="tx1"/>
-              </a:solidFill>
-            </a:endParaRPr>
           </a:p>
         </p:txBody>
       </p:sp>
@@ -5043,18 +4902,13 @@
           <a:p>
             <a:pPr algn="ctr"/>
             <a:r>
-              <a:rPr lang="en-US" sz="2400" dirty="0" smtClean="0">
+              <a:rPr lang="en-US" sz="2400" dirty="0">
                 <a:solidFill>
                   <a:schemeClr val="tx1"/>
                 </a:solidFill>
               </a:rPr>
               <a:t>42</a:t>
             </a:r>
-            <a:endParaRPr lang="en-US" sz="2400" dirty="0">
-              <a:solidFill>
-                <a:schemeClr val="tx1"/>
-              </a:solidFill>
-            </a:endParaRPr>
           </a:p>
         </p:txBody>
       </p:sp>
@@ -5067,7 +4921,7 @@
         <p:spPr>
           <a:xfrm>
             <a:off x="6611338" y="3387999"/>
-            <a:ext cx="579549" cy="584775"/>
+            <a:ext cx="928244" cy="584775"/>
           </a:xfrm>
           <a:prstGeom prst="rect">
             <a:avLst/>
@@ -5081,18 +4935,13 @@
           <a:lstStyle/>
           <a:p>
             <a:r>
-              <a:rPr lang="en-US" sz="3200" b="1" dirty="0" smtClean="0">
+              <a:rPr lang="en-US" sz="3200" b="1" dirty="0">
                 <a:solidFill>
                   <a:srgbClr val="00B050"/>
                 </a:solidFill>
               </a:rPr>
               <a:t>D.</a:t>
             </a:r>
-            <a:endParaRPr lang="en-US" sz="3200" b="1" dirty="0">
-              <a:solidFill>
-                <a:srgbClr val="00B050"/>
-              </a:solidFill>
-            </a:endParaRPr>
           </a:p>
         </p:txBody>
       </p:sp>
@@ -5139,18 +4988,13 @@
           <a:p>
             <a:pPr algn="ctr"/>
             <a:r>
-              <a:rPr lang="en-US" sz="2400" dirty="0" smtClean="0">
+              <a:rPr lang="en-US" sz="2400" dirty="0">
                 <a:solidFill>
                   <a:schemeClr val="tx1"/>
                 </a:solidFill>
               </a:rPr>
               <a:t>32</a:t>
             </a:r>
-            <a:endParaRPr lang="en-US" sz="2400" dirty="0">
-              <a:solidFill>
-                <a:schemeClr val="tx1"/>
-              </a:solidFill>
-            </a:endParaRPr>
           </a:p>
         </p:txBody>
       </p:sp>
@@ -5236,18 +5080,13 @@
           <a:p>
             <a:pPr algn="ctr"/>
             <a:r>
-              <a:rPr lang="en-US" sz="2400" dirty="0" smtClean="0">
+              <a:rPr lang="en-US" sz="2400" dirty="0">
                 <a:solidFill>
                   <a:schemeClr val="tx1"/>
                 </a:solidFill>
               </a:rPr>
               <a:t>65</a:t>
             </a:r>
-            <a:endParaRPr lang="en-US" sz="2400" dirty="0">
-              <a:solidFill>
-                <a:schemeClr val="tx1"/>
-              </a:solidFill>
-            </a:endParaRPr>
           </a:p>
         </p:txBody>
       </p:sp>
@@ -5333,18 +5172,13 @@
           <a:p>
             <a:pPr algn="ctr"/>
             <a:r>
-              <a:rPr lang="en-US" sz="2400" dirty="0" smtClean="0">
+              <a:rPr lang="en-US" sz="2400" dirty="0">
                 <a:solidFill>
                   <a:schemeClr val="tx1"/>
                 </a:solidFill>
               </a:rPr>
               <a:t>12</a:t>
             </a:r>
-            <a:endParaRPr lang="en-US" sz="2400" dirty="0">
-              <a:solidFill>
-                <a:schemeClr val="tx1"/>
-              </a:solidFill>
-            </a:endParaRPr>
           </a:p>
         </p:txBody>
       </p:sp>
@@ -5430,18 +5264,13 @@
           <a:p>
             <a:pPr algn="ctr"/>
             <a:r>
-              <a:rPr lang="en-US" sz="2400" dirty="0" smtClean="0">
+              <a:rPr lang="en-US" sz="2400" dirty="0">
                 <a:solidFill>
                   <a:schemeClr val="tx1"/>
                 </a:solidFill>
               </a:rPr>
               <a:t>45</a:t>
             </a:r>
-            <a:endParaRPr lang="en-US" sz="2400" dirty="0">
-              <a:solidFill>
-                <a:schemeClr val="tx1"/>
-              </a:solidFill>
-            </a:endParaRPr>
           </a:p>
         </p:txBody>
       </p:sp>
@@ -5557,18 +5386,13 @@
           <a:p>
             <a:pPr algn="ctr"/>
             <a:r>
-              <a:rPr lang="en-US" sz="2800" dirty="0" smtClean="0">
+              <a:rPr lang="en-US" sz="2800" dirty="0">
                 <a:solidFill>
                   <a:schemeClr val="tx1"/>
                 </a:solidFill>
               </a:rPr>
               <a:t>Cherry</a:t>
             </a:r>
-            <a:endParaRPr lang="en-US" sz="2800" dirty="0">
-              <a:solidFill>
-                <a:schemeClr val="tx1"/>
-              </a:solidFill>
-            </a:endParaRPr>
           </a:p>
         </p:txBody>
       </p:sp>
@@ -5693,18 +5517,13 @@
           <a:p>
             <a:pPr algn="ctr"/>
             <a:r>
-              <a:rPr lang="en-US" sz="2800" dirty="0" smtClean="0">
+              <a:rPr lang="en-US" sz="2800" dirty="0">
                 <a:solidFill>
                   <a:schemeClr val="tx1"/>
                 </a:solidFill>
               </a:rPr>
               <a:t>Mango</a:t>
             </a:r>
-            <a:endParaRPr lang="en-US" sz="2800" dirty="0">
-              <a:solidFill>
-                <a:schemeClr val="tx1"/>
-              </a:solidFill>
-            </a:endParaRPr>
           </a:p>
         </p:txBody>
       </p:sp>
@@ -5790,18 +5609,13 @@
           <a:p>
             <a:pPr algn="ctr"/>
             <a:r>
-              <a:rPr lang="en-US" sz="2800" dirty="0" smtClean="0">
+              <a:rPr lang="en-US" sz="2800" dirty="0">
                 <a:solidFill>
                   <a:schemeClr val="tx1"/>
                 </a:solidFill>
               </a:rPr>
               <a:t>Lemon</a:t>
             </a:r>
-            <a:endParaRPr lang="en-US" sz="2800" dirty="0">
-              <a:solidFill>
-                <a:schemeClr val="tx1"/>
-              </a:solidFill>
-            </a:endParaRPr>
           </a:p>
         </p:txBody>
       </p:sp>
@@ -5887,18 +5701,13 @@
           <a:p>
             <a:pPr algn="ctr"/>
             <a:r>
-              <a:rPr lang="en-US" sz="2800" dirty="0" smtClean="0">
+              <a:rPr lang="en-US" sz="2800" dirty="0">
                 <a:solidFill>
                   <a:schemeClr val="tx1"/>
                 </a:solidFill>
               </a:rPr>
               <a:t>Imbe</a:t>
             </a:r>
-            <a:endParaRPr lang="en-US" sz="2800" dirty="0">
-              <a:solidFill>
-                <a:schemeClr val="tx1"/>
-              </a:solidFill>
-            </a:endParaRPr>
           </a:p>
         </p:txBody>
       </p:sp>
@@ -5984,18 +5793,13 @@
           <a:p>
             <a:pPr algn="ctr"/>
             <a:r>
-              <a:rPr lang="en-US" sz="2800" dirty="0" smtClean="0">
+              <a:rPr lang="en-US" sz="2800" dirty="0">
                 <a:solidFill>
                   <a:schemeClr val="tx1"/>
                 </a:solidFill>
               </a:rPr>
               <a:t>Nectarine</a:t>
             </a:r>
-            <a:endParaRPr lang="en-US" sz="2800" dirty="0">
-              <a:solidFill>
-                <a:schemeClr val="tx1"/>
-              </a:solidFill>
-            </a:endParaRPr>
           </a:p>
         </p:txBody>
       </p:sp>
@@ -6042,18 +5846,13 @@
           <a:p>
             <a:pPr algn="ctr"/>
             <a:r>
-              <a:rPr lang="en-US" sz="2800" dirty="0" smtClean="0">
+              <a:rPr lang="en-US" sz="2800" dirty="0">
                 <a:solidFill>
                   <a:schemeClr val="tx1"/>
                 </a:solidFill>
               </a:rPr>
               <a:t>Apple</a:t>
             </a:r>
-            <a:endParaRPr lang="en-US" sz="2800" dirty="0">
-              <a:solidFill>
-                <a:schemeClr val="tx1"/>
-              </a:solidFill>
-            </a:endParaRPr>
           </a:p>
         </p:txBody>
       </p:sp>
@@ -6130,18 +5929,13 @@
           <a:p>
             <a:pPr algn="ctr"/>
             <a:r>
-              <a:rPr lang="en-US" sz="2400" b="1" dirty="0" smtClean="0">
+              <a:rPr lang="en-US" sz="2400" b="1" dirty="0">
                 <a:solidFill>
                   <a:srgbClr val="0070C0"/>
                 </a:solidFill>
               </a:rPr>
               <a:t>E</a:t>
             </a:r>
-            <a:endParaRPr lang="en-US" sz="2400" b="1" dirty="0">
-              <a:solidFill>
-                <a:srgbClr val="0070C0"/>
-              </a:solidFill>
-            </a:endParaRPr>
           </a:p>
         </p:txBody>
       </p:sp>
@@ -6188,18 +5982,13 @@
           <a:p>
             <a:pPr algn="ctr"/>
             <a:r>
-              <a:rPr lang="en-US" sz="2400" dirty="0" smtClean="0">
+              <a:rPr lang="en-US" sz="2400" dirty="0">
                 <a:solidFill>
                   <a:schemeClr val="tx1"/>
                 </a:solidFill>
               </a:rPr>
               <a:t>B</a:t>
             </a:r>
-            <a:endParaRPr lang="en-US" sz="2400" dirty="0">
-              <a:solidFill>
-                <a:schemeClr val="tx1"/>
-              </a:solidFill>
-            </a:endParaRPr>
           </a:p>
         </p:txBody>
       </p:sp>
@@ -6324,18 +6113,13 @@
           <a:p>
             <a:pPr algn="ctr"/>
             <a:r>
-              <a:rPr lang="en-US" sz="2400" dirty="0" smtClean="0">
+              <a:rPr lang="en-US" sz="2400" dirty="0">
                 <a:solidFill>
                   <a:schemeClr val="tx1"/>
                 </a:solidFill>
               </a:rPr>
               <a:t>A</a:t>
             </a:r>
-            <a:endParaRPr lang="en-US" sz="2400" dirty="0">
-              <a:solidFill>
-                <a:schemeClr val="tx1"/>
-              </a:solidFill>
-            </a:endParaRPr>
           </a:p>
         </p:txBody>
       </p:sp>
@@ -6421,18 +6205,13 @@
           <a:p>
             <a:pPr algn="ctr"/>
             <a:r>
-              <a:rPr lang="en-US" sz="2400" dirty="0" smtClean="0">
+              <a:rPr lang="en-US" sz="2400" dirty="0">
                 <a:solidFill>
                   <a:schemeClr val="tx1"/>
                 </a:solidFill>
               </a:rPr>
               <a:t>C</a:t>
             </a:r>
-            <a:endParaRPr lang="en-US" sz="2400" dirty="0">
-              <a:solidFill>
-                <a:schemeClr val="tx1"/>
-              </a:solidFill>
-            </a:endParaRPr>
           </a:p>
         </p:txBody>
       </p:sp>
@@ -6518,18 +6297,13 @@
           <a:p>
             <a:pPr algn="ctr"/>
             <a:r>
-              <a:rPr lang="en-US" sz="2400" dirty="0" smtClean="0">
+              <a:rPr lang="en-US" sz="2400" dirty="0">
                 <a:solidFill>
                   <a:schemeClr val="tx1"/>
                 </a:solidFill>
               </a:rPr>
               <a:t>H</a:t>
             </a:r>
-            <a:endParaRPr lang="en-US" sz="2400" dirty="0">
-              <a:solidFill>
-                <a:schemeClr val="tx1"/>
-              </a:solidFill>
-            </a:endParaRPr>
           </a:p>
         </p:txBody>
       </p:sp>
@@ -6576,18 +6350,13 @@
           <a:p>
             <a:pPr algn="ctr"/>
             <a:r>
-              <a:rPr lang="en-US" sz="2400" dirty="0" smtClean="0">
+              <a:rPr lang="en-US" sz="2400" dirty="0">
                 <a:solidFill>
                   <a:schemeClr val="tx1"/>
                 </a:solidFill>
               </a:rPr>
               <a:t>G</a:t>
             </a:r>
-            <a:endParaRPr lang="en-US" sz="2400" dirty="0">
-              <a:solidFill>
-                <a:schemeClr val="tx1"/>
-              </a:solidFill>
-            </a:endParaRPr>
           </a:p>
         </p:txBody>
       </p:sp>
@@ -6673,18 +6442,13 @@
           <a:p>
             <a:pPr algn="ctr"/>
             <a:r>
-              <a:rPr lang="en-US" sz="2400" dirty="0" smtClean="0">
+              <a:rPr lang="en-US" sz="2400" dirty="0">
                 <a:solidFill>
                   <a:schemeClr val="tx1"/>
                 </a:solidFill>
               </a:rPr>
               <a:t>I</a:t>
             </a:r>
-            <a:endParaRPr lang="en-US" sz="2400" dirty="0">
-              <a:solidFill>
-                <a:schemeClr val="tx1"/>
-              </a:solidFill>
-            </a:endParaRPr>
           </a:p>
         </p:txBody>
       </p:sp>
@@ -6770,18 +6534,13 @@
           <a:p>
             <a:pPr algn="ctr"/>
             <a:r>
-              <a:rPr lang="en-US" sz="2400" b="1" dirty="0" smtClean="0">
+              <a:rPr lang="en-US" sz="2400" b="1" dirty="0">
                 <a:solidFill>
                   <a:schemeClr val="tx1"/>
                 </a:solidFill>
               </a:rPr>
               <a:t>D</a:t>
             </a:r>
-            <a:endParaRPr lang="en-US" sz="2400" b="1" dirty="0">
-              <a:solidFill>
-                <a:schemeClr val="tx1"/>
-              </a:solidFill>
-            </a:endParaRPr>
           </a:p>
         </p:txBody>
       </p:sp>
@@ -6867,18 +6626,13 @@
           <a:p>
             <a:pPr algn="ctr"/>
             <a:r>
-              <a:rPr lang="en-US" sz="2400" b="1" dirty="0" smtClean="0">
+              <a:rPr lang="en-US" sz="2400" b="1" dirty="0">
                 <a:solidFill>
                   <a:srgbClr val="00B050"/>
                 </a:solidFill>
               </a:rPr>
               <a:t>F</a:t>
             </a:r>
-            <a:endParaRPr lang="en-US" sz="2400" b="1" dirty="0">
-              <a:solidFill>
-                <a:srgbClr val="00B050"/>
-              </a:solidFill>
-            </a:endParaRPr>
           </a:p>
         </p:txBody>
       </p:sp>
@@ -6994,18 +6748,13 @@
           <a:p>
             <a:pPr algn="ctr"/>
             <a:r>
-              <a:rPr lang="en-US" sz="2400" b="1" dirty="0" smtClean="0">
+              <a:rPr lang="en-US" sz="2400" b="1" dirty="0">
                 <a:solidFill>
                   <a:srgbClr val="00B050"/>
                 </a:solidFill>
               </a:rPr>
               <a:t>E</a:t>
             </a:r>
-            <a:endParaRPr lang="en-US" sz="2400" b="1" dirty="0">
-              <a:solidFill>
-                <a:srgbClr val="00B050"/>
-              </a:solidFill>
-            </a:endParaRPr>
           </a:p>
         </p:txBody>
       </p:sp>
@@ -7052,18 +6801,13 @@
           <a:p>
             <a:pPr algn="ctr"/>
             <a:r>
-              <a:rPr lang="en-US" sz="2400" dirty="0" smtClean="0">
+              <a:rPr lang="en-US" sz="2400" dirty="0">
                 <a:solidFill>
                   <a:schemeClr val="tx1"/>
                 </a:solidFill>
               </a:rPr>
               <a:t>B</a:t>
             </a:r>
-            <a:endParaRPr lang="en-US" sz="2400" dirty="0">
-              <a:solidFill>
-                <a:schemeClr val="tx1"/>
-              </a:solidFill>
-            </a:endParaRPr>
           </a:p>
         </p:txBody>
       </p:sp>
@@ -7188,18 +6932,13 @@
           <a:p>
             <a:pPr algn="ctr"/>
             <a:r>
-              <a:rPr lang="en-US" sz="2400" dirty="0" smtClean="0">
+              <a:rPr lang="en-US" sz="2400" dirty="0">
                 <a:solidFill>
                   <a:schemeClr val="tx1"/>
                 </a:solidFill>
               </a:rPr>
               <a:t>A</a:t>
             </a:r>
-            <a:endParaRPr lang="en-US" sz="2400" dirty="0">
-              <a:solidFill>
-                <a:schemeClr val="tx1"/>
-              </a:solidFill>
-            </a:endParaRPr>
           </a:p>
         </p:txBody>
       </p:sp>
@@ -7285,18 +7024,13 @@
           <a:p>
             <a:pPr algn="ctr"/>
             <a:r>
-              <a:rPr lang="en-US" sz="2400" dirty="0" smtClean="0">
+              <a:rPr lang="en-US" sz="2400" dirty="0">
                 <a:solidFill>
                   <a:schemeClr val="tx1"/>
                 </a:solidFill>
               </a:rPr>
               <a:t>C</a:t>
             </a:r>
-            <a:endParaRPr lang="en-US" sz="2400" dirty="0">
-              <a:solidFill>
-                <a:schemeClr val="tx1"/>
-              </a:solidFill>
-            </a:endParaRPr>
           </a:p>
         </p:txBody>
       </p:sp>
@@ -7382,18 +7116,13 @@
           <a:p>
             <a:pPr algn="ctr"/>
             <a:r>
-              <a:rPr lang="en-US" sz="2400" dirty="0" smtClean="0">
+              <a:rPr lang="en-US" sz="2400" dirty="0">
                 <a:solidFill>
                   <a:schemeClr val="tx1"/>
                 </a:solidFill>
               </a:rPr>
               <a:t>H</a:t>
             </a:r>
-            <a:endParaRPr lang="en-US" sz="2400" dirty="0">
-              <a:solidFill>
-                <a:schemeClr val="tx1"/>
-              </a:solidFill>
-            </a:endParaRPr>
           </a:p>
         </p:txBody>
       </p:sp>
@@ -7440,18 +7169,13 @@
           <a:p>
             <a:pPr algn="ctr"/>
             <a:r>
-              <a:rPr lang="en-US" sz="2400" dirty="0" smtClean="0">
+              <a:rPr lang="en-US" sz="2400" dirty="0">
                 <a:solidFill>
                   <a:schemeClr val="tx1"/>
                 </a:solidFill>
               </a:rPr>
               <a:t>G</a:t>
             </a:r>
-            <a:endParaRPr lang="en-US" sz="2400" dirty="0">
-              <a:solidFill>
-                <a:schemeClr val="tx1"/>
-              </a:solidFill>
-            </a:endParaRPr>
           </a:p>
         </p:txBody>
       </p:sp>
@@ -7537,18 +7261,13 @@
           <a:p>
             <a:pPr algn="ctr"/>
             <a:r>
-              <a:rPr lang="en-US" sz="2400" dirty="0" smtClean="0">
+              <a:rPr lang="en-US" sz="2400" dirty="0">
                 <a:solidFill>
                   <a:schemeClr val="tx1"/>
                 </a:solidFill>
               </a:rPr>
               <a:t>I</a:t>
             </a:r>
-            <a:endParaRPr lang="en-US" sz="2400" dirty="0">
-              <a:solidFill>
-                <a:schemeClr val="tx1"/>
-              </a:solidFill>
-            </a:endParaRPr>
           </a:p>
         </p:txBody>
       </p:sp>
@@ -7634,18 +7353,13 @@
           <a:p>
             <a:pPr algn="ctr"/>
             <a:r>
-              <a:rPr lang="en-US" sz="2400" b="1" dirty="0" smtClean="0">
+              <a:rPr lang="en-US" sz="2400" b="1" dirty="0">
                 <a:solidFill>
                   <a:srgbClr val="0070C0"/>
                 </a:solidFill>
               </a:rPr>
               <a:t>D</a:t>
             </a:r>
-            <a:endParaRPr lang="en-US" sz="2400" b="1" dirty="0">
-              <a:solidFill>
-                <a:srgbClr val="0070C0"/>
-              </a:solidFill>
-            </a:endParaRPr>
           </a:p>
         </p:txBody>
       </p:sp>
@@ -7850,18 +7564,13 @@
           <a:p>
             <a:pPr algn="ctr"/>
             <a:r>
-              <a:rPr lang="en-US" sz="2400" dirty="0" smtClean="0">
+              <a:rPr lang="en-US" sz="2400" dirty="0">
                 <a:solidFill>
                   <a:schemeClr val="tx1"/>
                 </a:solidFill>
               </a:rPr>
               <a:t>F</a:t>
             </a:r>
-            <a:endParaRPr lang="en-US" sz="2400" dirty="0">
-              <a:solidFill>
-                <a:schemeClr val="tx1"/>
-              </a:solidFill>
-            </a:endParaRPr>
           </a:p>
         </p:txBody>
       </p:sp>
@@ -7977,18 +7686,13 @@
           <a:p>
             <a:pPr algn="ctr"/>
             <a:r>
-              <a:rPr lang="en-US" sz="2400" dirty="0" smtClean="0">
+              <a:rPr lang="en-US" sz="2400" dirty="0">
                 <a:solidFill>
                   <a:schemeClr val="tx1"/>
                 </a:solidFill>
               </a:rPr>
               <a:t>E</a:t>
             </a:r>
-            <a:endParaRPr lang="en-US" sz="2400" dirty="0">
-              <a:solidFill>
-                <a:schemeClr val="tx1"/>
-              </a:solidFill>
-            </a:endParaRPr>
           </a:p>
         </p:txBody>
       </p:sp>
@@ -8035,18 +7739,13 @@
           <a:p>
             <a:pPr algn="ctr"/>
             <a:r>
-              <a:rPr lang="en-US" sz="2400" dirty="0" smtClean="0">
+              <a:rPr lang="en-US" sz="2400" dirty="0">
                 <a:solidFill>
                   <a:schemeClr val="tx1"/>
                 </a:solidFill>
               </a:rPr>
               <a:t>B</a:t>
             </a:r>
-            <a:endParaRPr lang="en-US" sz="2400" dirty="0">
-              <a:solidFill>
-                <a:schemeClr val="tx1"/>
-              </a:solidFill>
-            </a:endParaRPr>
           </a:p>
         </p:txBody>
       </p:sp>
@@ -8171,18 +7870,13 @@
           <a:p>
             <a:pPr algn="ctr"/>
             <a:r>
-              <a:rPr lang="en-US" sz="2400" dirty="0" smtClean="0">
+              <a:rPr lang="en-US" sz="2400" dirty="0">
                 <a:solidFill>
                   <a:schemeClr val="tx1"/>
                 </a:solidFill>
               </a:rPr>
               <a:t>A</a:t>
             </a:r>
-            <a:endParaRPr lang="en-US" sz="2400" dirty="0">
-              <a:solidFill>
-                <a:schemeClr val="tx1"/>
-              </a:solidFill>
-            </a:endParaRPr>
           </a:p>
         </p:txBody>
       </p:sp>
@@ -8268,18 +7962,13 @@
           <a:p>
             <a:pPr algn="ctr"/>
             <a:r>
-              <a:rPr lang="en-US" sz="2400" dirty="0" smtClean="0">
+              <a:rPr lang="en-US" sz="2400" dirty="0">
                 <a:solidFill>
                   <a:schemeClr val="tx1"/>
                 </a:solidFill>
               </a:rPr>
               <a:t>C</a:t>
             </a:r>
-            <a:endParaRPr lang="en-US" sz="2400" dirty="0">
-              <a:solidFill>
-                <a:schemeClr val="tx1"/>
-              </a:solidFill>
-            </a:endParaRPr>
           </a:p>
         </p:txBody>
       </p:sp>
@@ -8365,18 +8054,13 @@
           <a:p>
             <a:pPr algn="ctr"/>
             <a:r>
-              <a:rPr lang="en-US" sz="2400" dirty="0" smtClean="0">
+              <a:rPr lang="en-US" sz="2400" dirty="0">
                 <a:solidFill>
                   <a:schemeClr val="tx1"/>
                 </a:solidFill>
               </a:rPr>
               <a:t>H</a:t>
             </a:r>
-            <a:endParaRPr lang="en-US" sz="2400" dirty="0">
-              <a:solidFill>
-                <a:schemeClr val="tx1"/>
-              </a:solidFill>
-            </a:endParaRPr>
           </a:p>
         </p:txBody>
       </p:sp>
@@ -8423,18 +8107,13 @@
           <a:p>
             <a:pPr algn="ctr"/>
             <a:r>
-              <a:rPr lang="en-US" sz="2400" dirty="0" smtClean="0">
+              <a:rPr lang="en-US" sz="2400" dirty="0">
                 <a:solidFill>
                   <a:schemeClr val="tx1"/>
                 </a:solidFill>
               </a:rPr>
               <a:t>G</a:t>
             </a:r>
-            <a:endParaRPr lang="en-US" sz="2400" dirty="0">
-              <a:solidFill>
-                <a:schemeClr val="tx1"/>
-              </a:solidFill>
-            </a:endParaRPr>
           </a:p>
         </p:txBody>
       </p:sp>
@@ -8520,18 +8199,13 @@
           <a:p>
             <a:pPr algn="ctr"/>
             <a:r>
-              <a:rPr lang="en-US" sz="2400" dirty="0" smtClean="0">
+              <a:rPr lang="en-US" sz="2400" dirty="0">
                 <a:solidFill>
                   <a:schemeClr val="tx1"/>
                 </a:solidFill>
               </a:rPr>
               <a:t>I</a:t>
             </a:r>
-            <a:endParaRPr lang="en-US" sz="2400" dirty="0">
-              <a:solidFill>
-                <a:schemeClr val="tx1"/>
-              </a:solidFill>
-            </a:endParaRPr>
           </a:p>
         </p:txBody>
       </p:sp>
@@ -8617,18 +8291,13 @@
           <a:p>
             <a:pPr algn="ctr"/>
             <a:r>
-              <a:rPr lang="en-US" sz="2400" dirty="0" smtClean="0">
+              <a:rPr lang="en-US" sz="2400" dirty="0">
                 <a:solidFill>
                   <a:schemeClr val="tx1"/>
                 </a:solidFill>
               </a:rPr>
               <a:t>D</a:t>
             </a:r>
-            <a:endParaRPr lang="en-US" sz="2400" dirty="0">
-              <a:solidFill>
-                <a:schemeClr val="tx1"/>
-              </a:solidFill>
-            </a:endParaRPr>
           </a:p>
         </p:txBody>
       </p:sp>
@@ -8714,18 +8383,13 @@
           <a:p>
             <a:pPr algn="ctr"/>
             <a:r>
-              <a:rPr lang="en-US" sz="2400" dirty="0" smtClean="0">
+              <a:rPr lang="en-US" sz="2400" dirty="0">
                 <a:solidFill>
                   <a:schemeClr val="tx1"/>
                 </a:solidFill>
               </a:rPr>
               <a:t>F</a:t>
             </a:r>
-            <a:endParaRPr lang="en-US" sz="2400" dirty="0">
-              <a:solidFill>
-                <a:schemeClr val="tx1"/>
-              </a:solidFill>
-            </a:endParaRPr>
           </a:p>
         </p:txBody>
       </p:sp>
@@ -8841,18 +8505,13 @@
           <a:p>
             <a:pPr algn="ctr"/>
             <a:r>
-              <a:rPr lang="en-US" sz="2400" dirty="0" smtClean="0">
+              <a:rPr lang="en-US" sz="2400" dirty="0">
                 <a:solidFill>
                   <a:schemeClr val="tx1"/>
                 </a:solidFill>
               </a:rPr>
               <a:t>E</a:t>
             </a:r>
-            <a:endParaRPr lang="en-US" sz="2400" dirty="0">
-              <a:solidFill>
-                <a:schemeClr val="tx1"/>
-              </a:solidFill>
-            </a:endParaRPr>
           </a:p>
         </p:txBody>
       </p:sp>
@@ -8899,18 +8558,13 @@
           <a:p>
             <a:pPr algn="ctr"/>
             <a:r>
-              <a:rPr lang="en-US" sz="2400" dirty="0" smtClean="0">
+              <a:rPr lang="en-US" sz="2400" dirty="0">
                 <a:solidFill>
                   <a:schemeClr val="tx1"/>
                 </a:solidFill>
               </a:rPr>
               <a:t>B</a:t>
             </a:r>
-            <a:endParaRPr lang="en-US" sz="2400" dirty="0">
-              <a:solidFill>
-                <a:schemeClr val="tx1"/>
-              </a:solidFill>
-            </a:endParaRPr>
           </a:p>
         </p:txBody>
       </p:sp>
@@ -9035,18 +8689,13 @@
           <a:p>
             <a:pPr algn="ctr"/>
             <a:r>
-              <a:rPr lang="en-US" sz="2400" dirty="0" smtClean="0">
+              <a:rPr lang="en-US" sz="2400" dirty="0">
                 <a:solidFill>
                   <a:schemeClr val="tx1"/>
                 </a:solidFill>
               </a:rPr>
               <a:t>C</a:t>
             </a:r>
-            <a:endParaRPr lang="en-US" sz="2400" dirty="0">
-              <a:solidFill>
-                <a:schemeClr val="tx1"/>
-              </a:solidFill>
-            </a:endParaRPr>
           </a:p>
         </p:txBody>
       </p:sp>
@@ -9132,18 +8781,13 @@
           <a:p>
             <a:pPr algn="ctr"/>
             <a:r>
-              <a:rPr lang="en-US" sz="2400" dirty="0" smtClean="0">
+              <a:rPr lang="en-US" sz="2400" dirty="0">
                 <a:solidFill>
                   <a:schemeClr val="tx1"/>
                 </a:solidFill>
               </a:rPr>
               <a:t>H</a:t>
             </a:r>
-            <a:endParaRPr lang="en-US" sz="2400" dirty="0">
-              <a:solidFill>
-                <a:schemeClr val="tx1"/>
-              </a:solidFill>
-            </a:endParaRPr>
           </a:p>
         </p:txBody>
       </p:sp>
@@ -9190,18 +8834,13 @@
           <a:p>
             <a:pPr algn="ctr"/>
             <a:r>
-              <a:rPr lang="en-US" sz="2400" dirty="0" smtClean="0">
+              <a:rPr lang="en-US" sz="2400" dirty="0">
                 <a:solidFill>
                   <a:schemeClr val="tx1"/>
                 </a:solidFill>
               </a:rPr>
               <a:t>D</a:t>
             </a:r>
-            <a:endParaRPr lang="en-US" sz="2400" dirty="0">
-              <a:solidFill>
-                <a:schemeClr val="tx1"/>
-              </a:solidFill>
-            </a:endParaRPr>
           </a:p>
         </p:txBody>
       </p:sp>
